--- a/GenderClassification/Presentazione.pptx
+++ b/GenderClassification/Presentazione.pptx
@@ -20,6 +20,7 @@
     <p:sldId id="268" r:id="rId14"/>
     <p:sldId id="269" r:id="rId15"/>
     <p:sldId id="270" r:id="rId16"/>
+    <p:sldId id="271" r:id="rId17"/>
   </p:sldIdLst>
   <p:sldSz cx="12192000" cy="6858000"/>
   <p:notesSz cx="6858000" cy="9144000"/>
@@ -143,7 +144,7 @@
           <p:cNvPr id="2" name="Titolo 1">
             <a:extLst>
               <a:ext uri="{FF2B5EF4-FFF2-40B4-BE49-F238E27FC236}">
-                <a16:creationId xmlns:a16="http://schemas.microsoft.com/office/drawing/2014/main" id="{FF69B545-12D6-42ED-88C5-63703F85C92E}"/>
+                <a16:creationId xmlns:a16="http://schemas.microsoft.com/office/drawing/2014/main" id="{456FFAE3-E2DC-45CD-8186-D5D33714576A}"/>
               </a:ext>
             </a:extLst>
           </p:cNvPr>
@@ -171,7 +172,7 @@
           <p:cNvPr id="3" name="Segnaposto data 2">
             <a:extLst>
               <a:ext uri="{FF2B5EF4-FFF2-40B4-BE49-F238E27FC236}">
-                <a16:creationId xmlns:a16="http://schemas.microsoft.com/office/drawing/2014/main" id="{EFE0BB18-FEB6-4623-9738-13D9F621F918}"/>
+                <a16:creationId xmlns:a16="http://schemas.microsoft.com/office/drawing/2014/main" id="{2E75A583-EFFC-4B08-AC4B-64BB7EEC5688}"/>
               </a:ext>
             </a:extLst>
           </p:cNvPr>
@@ -187,9 +188,9 @@
           <a:bodyPr/>
           <a:lstStyle/>
           <a:p>
-            <a:fld id="{6877F294-D9D9-4D46-9031-8570E9C7097F}" type="datetimeFigureOut">
+            <a:fld id="{5EED248D-6CD4-418A-BE74-6BC16094ABC8}" type="datetimeFigureOut">
               <a:rPr lang="it-IT" smtClean="0"/>
-              <a:t>03/06/2020</a:t>
+              <a:t>06/06/2020</a:t>
             </a:fld>
             <a:endParaRPr lang="it-IT"/>
           </a:p>
@@ -200,7 +201,7 @@
           <p:cNvPr id="4" name="Segnaposto piè di pagina 3">
             <a:extLst>
               <a:ext uri="{FF2B5EF4-FFF2-40B4-BE49-F238E27FC236}">
-                <a16:creationId xmlns:a16="http://schemas.microsoft.com/office/drawing/2014/main" id="{416A0CBC-E8DD-4509-83C7-AE4A0925C2F0}"/>
+                <a16:creationId xmlns:a16="http://schemas.microsoft.com/office/drawing/2014/main" id="{E694E876-6BF7-48B6-B567-E4625DFC0390}"/>
               </a:ext>
             </a:extLst>
           </p:cNvPr>
@@ -225,7 +226,7 @@
           <p:cNvPr id="5" name="Segnaposto numero diapositiva 4">
             <a:extLst>
               <a:ext uri="{FF2B5EF4-FFF2-40B4-BE49-F238E27FC236}">
-                <a16:creationId xmlns:a16="http://schemas.microsoft.com/office/drawing/2014/main" id="{9379C72D-9BED-4542-B5CE-8B4AE418D97A}"/>
+                <a16:creationId xmlns:a16="http://schemas.microsoft.com/office/drawing/2014/main" id="{AEC741DF-A49D-4E3C-B4B7-7A64A5FEBE62}"/>
               </a:ext>
             </a:extLst>
           </p:cNvPr>
@@ -241,7 +242,7 @@
           <a:bodyPr/>
           <a:lstStyle/>
           <a:p>
-            <a:fld id="{3E6ACA97-42D2-4BAF-8D91-4DB3D04D1998}" type="slidenum">
+            <a:fld id="{43D7717D-8B7A-4ED5-892E-68005B9CC249}" type="slidenum">
               <a:rPr lang="it-IT" smtClean="0"/>
               <a:t>‹N›</a:t>
             </a:fld>
@@ -252,7 +253,7 @@
     </p:spTree>
     <p:extLst>
       <p:ext uri="{BB962C8B-B14F-4D97-AF65-F5344CB8AC3E}">
-        <p14:creationId xmlns:p14="http://schemas.microsoft.com/office/powerpoint/2010/main" val="3673834188"/>
+        <p14:creationId xmlns:p14="http://schemas.microsoft.com/office/powerpoint/2010/main" val="1822837463"/>
       </p:ext>
     </p:extLst>
   </p:cSld>
@@ -289,7 +290,7 @@
           <p:cNvPr id="2" name="Segnaposto titolo 1">
             <a:extLst>
               <a:ext uri="{FF2B5EF4-FFF2-40B4-BE49-F238E27FC236}">
-                <a16:creationId xmlns:a16="http://schemas.microsoft.com/office/drawing/2014/main" id="{1A2D7F83-81D7-4B80-A2B2-94FB1AAF7C21}"/>
+                <a16:creationId xmlns:a16="http://schemas.microsoft.com/office/drawing/2014/main" id="{044580FD-E772-4FAD-8970-2FE36CFBF8B8}"/>
               </a:ext>
             </a:extLst>
           </p:cNvPr>
@@ -327,7 +328,7 @@
           <p:cNvPr id="3" name="Segnaposto testo 2">
             <a:extLst>
               <a:ext uri="{FF2B5EF4-FFF2-40B4-BE49-F238E27FC236}">
-                <a16:creationId xmlns:a16="http://schemas.microsoft.com/office/drawing/2014/main" id="{30F979BA-6A1E-4479-AF98-0432C54D0237}"/>
+                <a16:creationId xmlns:a16="http://schemas.microsoft.com/office/drawing/2014/main" id="{3D14CAE4-DE99-4F7B-A3A0-84F49178638C}"/>
               </a:ext>
             </a:extLst>
           </p:cNvPr>
@@ -394,7 +395,7 @@
           <p:cNvPr id="4" name="Segnaposto data 3">
             <a:extLst>
               <a:ext uri="{FF2B5EF4-FFF2-40B4-BE49-F238E27FC236}">
-                <a16:creationId xmlns:a16="http://schemas.microsoft.com/office/drawing/2014/main" id="{95674006-AC76-46C0-B921-DA7234AAFD38}"/>
+                <a16:creationId xmlns:a16="http://schemas.microsoft.com/office/drawing/2014/main" id="{D8653C91-1A6A-466A-BB58-CC5B6763258D}"/>
               </a:ext>
             </a:extLst>
           </p:cNvPr>
@@ -428,9 +429,9 @@
             </a:lvl1pPr>
           </a:lstStyle>
           <a:p>
-            <a:fld id="{6877F294-D9D9-4D46-9031-8570E9C7097F}" type="datetimeFigureOut">
+            <a:fld id="{5EED248D-6CD4-418A-BE74-6BC16094ABC8}" type="datetimeFigureOut">
               <a:rPr lang="it-IT" smtClean="0"/>
-              <a:t>03/06/2020</a:t>
+              <a:t>06/06/2020</a:t>
             </a:fld>
             <a:endParaRPr lang="it-IT"/>
           </a:p>
@@ -441,7 +442,7 @@
           <p:cNvPr id="5" name="Segnaposto piè di pagina 4">
             <a:extLst>
               <a:ext uri="{FF2B5EF4-FFF2-40B4-BE49-F238E27FC236}">
-                <a16:creationId xmlns:a16="http://schemas.microsoft.com/office/drawing/2014/main" id="{9E5850B6-E710-43EF-94AF-B87A722A3C31}"/>
+                <a16:creationId xmlns:a16="http://schemas.microsoft.com/office/drawing/2014/main" id="{1C43E940-F581-43AC-8E62-0DCA57C5DB99}"/>
               </a:ext>
             </a:extLst>
           </p:cNvPr>
@@ -484,7 +485,7 @@
           <p:cNvPr id="6" name="Segnaposto numero diapositiva 5">
             <a:extLst>
               <a:ext uri="{FF2B5EF4-FFF2-40B4-BE49-F238E27FC236}">
-                <a16:creationId xmlns:a16="http://schemas.microsoft.com/office/drawing/2014/main" id="{085E3473-BD7D-4CD0-B220-7F90DC3F2975}"/>
+                <a16:creationId xmlns:a16="http://schemas.microsoft.com/office/drawing/2014/main" id="{A152C044-814C-4710-81A1-A3F1FCC91209}"/>
               </a:ext>
             </a:extLst>
           </p:cNvPr>
@@ -518,7 +519,7 @@
             </a:lvl1pPr>
           </a:lstStyle>
           <a:p>
-            <a:fld id="{3E6ACA97-42D2-4BAF-8D91-4DB3D04D1998}" type="slidenum">
+            <a:fld id="{43D7717D-8B7A-4ED5-892E-68005B9CC249}" type="slidenum">
               <a:rPr lang="it-IT" smtClean="0"/>
               <a:t>‹N›</a:t>
             </a:fld>
@@ -529,7 +530,7 @@
     </p:spTree>
     <p:extLst>
       <p:ext uri="{BB962C8B-B14F-4D97-AF65-F5344CB8AC3E}">
-        <p14:creationId xmlns:p14="http://schemas.microsoft.com/office/powerpoint/2010/main" val="468311686"/>
+        <p14:creationId xmlns:p14="http://schemas.microsoft.com/office/powerpoint/2010/main" val="186745359"/>
       </p:ext>
     </p:extLst>
   </p:cSld>
@@ -848,7 +849,7 @@
           <p:cNvPr id="2" name="Titolo 1" hidden="1">
             <a:extLst>
               <a:ext uri="{FF2B5EF4-FFF2-40B4-BE49-F238E27FC236}">
-                <a16:creationId xmlns:a16="http://schemas.microsoft.com/office/drawing/2014/main" id="{17F9E59A-178B-4666-99FD-FCF247ECFDD8}"/>
+                <a16:creationId xmlns:a16="http://schemas.microsoft.com/office/drawing/2014/main" id="{5083B3BB-9E4C-4D2E-8F47-C840AF79E7EE}"/>
               </a:ext>
             </a:extLst>
           </p:cNvPr>
@@ -877,7 +878,7 @@
           <p:cNvPr id="3" name="Immagine 2">
             <a:extLst>
               <a:ext uri="{FF2B5EF4-FFF2-40B4-BE49-F238E27FC236}">
-                <a16:creationId xmlns:a16="http://schemas.microsoft.com/office/drawing/2014/main" id="{A20CB006-2ACB-4FE5-A8CB-0E19DCCC7A46}"/>
+                <a16:creationId xmlns:a16="http://schemas.microsoft.com/office/drawing/2014/main" id="{AD17F24A-9824-4768-B08B-800522195C87}"/>
               </a:ext>
             </a:extLst>
           </p:cNvPr>
@@ -903,7 +904,7 @@
     </p:spTree>
     <p:extLst>
       <p:ext uri="{BB962C8B-B14F-4D97-AF65-F5344CB8AC3E}">
-        <p14:creationId xmlns:p14="http://schemas.microsoft.com/office/powerpoint/2010/main" val="3201833322"/>
+        <p14:creationId xmlns:p14="http://schemas.microsoft.com/office/powerpoint/2010/main" val="3430599623"/>
       </p:ext>
     </p:extLst>
   </p:cSld>
@@ -941,7 +942,7 @@
           <p:cNvPr id="2" name="Titolo 1" hidden="1">
             <a:extLst>
               <a:ext uri="{FF2B5EF4-FFF2-40B4-BE49-F238E27FC236}">
-                <a16:creationId xmlns:a16="http://schemas.microsoft.com/office/drawing/2014/main" id="{C3FE95C0-586C-4D67-9963-18D60F2E3B6C}"/>
+                <a16:creationId xmlns:a16="http://schemas.microsoft.com/office/drawing/2014/main" id="{7B1D8030-C6C0-4941-8330-E1CC07C1CF37}"/>
               </a:ext>
             </a:extLst>
           </p:cNvPr>
@@ -960,7 +961,7 @@
             <a:pPr lvl="0"/>
             <a:r>
               <a:rPr lang="it-IT" sz="3600"/>
-              <a:t>Comparazione risultati</a:t>
+              <a:t>Risultati con l’età</a:t>
             </a:r>
           </a:p>
         </p:txBody>
@@ -970,7 +971,7 @@
           <p:cNvPr id="3" name="Immagine 2">
             <a:extLst>
               <a:ext uri="{FF2B5EF4-FFF2-40B4-BE49-F238E27FC236}">
-                <a16:creationId xmlns:a16="http://schemas.microsoft.com/office/drawing/2014/main" id="{D5817E4C-6057-4679-B36F-A216F390D7BE}"/>
+                <a16:creationId xmlns:a16="http://schemas.microsoft.com/office/drawing/2014/main" id="{AD60F459-20DC-448B-9EBA-608DD1529C4E}"/>
               </a:ext>
             </a:extLst>
           </p:cNvPr>
@@ -996,7 +997,7 @@
     </p:spTree>
     <p:extLst>
       <p:ext uri="{BB962C8B-B14F-4D97-AF65-F5344CB8AC3E}">
-        <p14:creationId xmlns:p14="http://schemas.microsoft.com/office/powerpoint/2010/main" val="2226661312"/>
+        <p14:creationId xmlns:p14="http://schemas.microsoft.com/office/powerpoint/2010/main" val="4237917812"/>
       </p:ext>
     </p:extLst>
   </p:cSld>
@@ -1034,7 +1035,7 @@
           <p:cNvPr id="2" name="Titolo 1" hidden="1">
             <a:extLst>
               <a:ext uri="{FF2B5EF4-FFF2-40B4-BE49-F238E27FC236}">
-                <a16:creationId xmlns:a16="http://schemas.microsoft.com/office/drawing/2014/main" id="{9A5CC494-78EC-486C-87FA-9324A80BC428}"/>
+                <a16:creationId xmlns:a16="http://schemas.microsoft.com/office/drawing/2014/main" id="{98861AA8-9028-4EDE-A284-9833F7444F2D}"/>
               </a:ext>
             </a:extLst>
           </p:cNvPr>
@@ -1052,8 +1053,8 @@
           <a:p>
             <a:pPr lvl="0"/>
             <a:r>
-              <a:rPr lang="it-IT"/>
-              <a:t>fase3</a:t>
+              <a:rPr lang="it-IT" sz="3600"/>
+              <a:t>Comparazione risultati</a:t>
             </a:r>
           </a:p>
         </p:txBody>
@@ -1063,7 +1064,7 @@
           <p:cNvPr id="3" name="Immagine 2">
             <a:extLst>
               <a:ext uri="{FF2B5EF4-FFF2-40B4-BE49-F238E27FC236}">
-                <a16:creationId xmlns:a16="http://schemas.microsoft.com/office/drawing/2014/main" id="{432600F8-2A0F-44C9-A9F7-944EEA968068}"/>
+                <a16:creationId xmlns:a16="http://schemas.microsoft.com/office/drawing/2014/main" id="{00DB942C-8B4E-4F81-B9E2-2AC054B480EA}"/>
               </a:ext>
             </a:extLst>
           </p:cNvPr>
@@ -1089,7 +1090,7 @@
     </p:spTree>
     <p:extLst>
       <p:ext uri="{BB962C8B-B14F-4D97-AF65-F5344CB8AC3E}">
-        <p14:creationId xmlns:p14="http://schemas.microsoft.com/office/powerpoint/2010/main" val="2961676027"/>
+        <p14:creationId xmlns:p14="http://schemas.microsoft.com/office/powerpoint/2010/main" val="3971794112"/>
       </p:ext>
     </p:extLst>
   </p:cSld>
@@ -1127,7 +1128,7 @@
           <p:cNvPr id="2" name="Titolo 1" hidden="1">
             <a:extLst>
               <a:ext uri="{FF2B5EF4-FFF2-40B4-BE49-F238E27FC236}">
-                <a16:creationId xmlns:a16="http://schemas.microsoft.com/office/drawing/2014/main" id="{7F48BDAD-00EE-4937-BA53-126015343021}"/>
+                <a16:creationId xmlns:a16="http://schemas.microsoft.com/office/drawing/2014/main" id="{BB5528ED-4829-4A98-B150-DF81282B275E}"/>
               </a:ext>
             </a:extLst>
           </p:cNvPr>
@@ -1146,7 +1147,7 @@
             <a:pPr lvl="0"/>
             <a:r>
               <a:rPr lang="it-IT"/>
-              <a:t>Pre-processing e classificatore</a:t>
+              <a:t>fase3</a:t>
             </a:r>
           </a:p>
         </p:txBody>
@@ -1156,7 +1157,7 @@
           <p:cNvPr id="3" name="Immagine 2">
             <a:extLst>
               <a:ext uri="{FF2B5EF4-FFF2-40B4-BE49-F238E27FC236}">
-                <a16:creationId xmlns:a16="http://schemas.microsoft.com/office/drawing/2014/main" id="{42AD3CF8-E907-4E8A-9337-F96323626080}"/>
+                <a16:creationId xmlns:a16="http://schemas.microsoft.com/office/drawing/2014/main" id="{7F1FDEE0-E8BA-4DD0-965B-B37B9A1F85A0}"/>
               </a:ext>
             </a:extLst>
           </p:cNvPr>
@@ -1182,7 +1183,7 @@
     </p:spTree>
     <p:extLst>
       <p:ext uri="{BB962C8B-B14F-4D97-AF65-F5344CB8AC3E}">
-        <p14:creationId xmlns:p14="http://schemas.microsoft.com/office/powerpoint/2010/main" val="3202319571"/>
+        <p14:creationId xmlns:p14="http://schemas.microsoft.com/office/powerpoint/2010/main" val="594041392"/>
       </p:ext>
     </p:extLst>
   </p:cSld>
@@ -1220,7 +1221,7 @@
           <p:cNvPr id="2" name="Titolo 1" hidden="1">
             <a:extLst>
               <a:ext uri="{FF2B5EF4-FFF2-40B4-BE49-F238E27FC236}">
-                <a16:creationId xmlns:a16="http://schemas.microsoft.com/office/drawing/2014/main" id="{0E08672E-9206-4F1D-A69A-8B8A666039FF}"/>
+                <a16:creationId xmlns:a16="http://schemas.microsoft.com/office/drawing/2014/main" id="{9FF6659F-8716-4687-9A8D-3A96E2CF3E2C}"/>
               </a:ext>
             </a:extLst>
           </p:cNvPr>
@@ -1238,8 +1239,8 @@
           <a:p>
             <a:pPr lvl="0"/>
             <a:r>
-              <a:rPr lang="it-IT" sz="3600"/>
-              <a:t>Risultati con tutti gli attributi</a:t>
+              <a:rPr lang="it-IT"/>
+              <a:t>Pre-processing e classificatore</a:t>
             </a:r>
           </a:p>
         </p:txBody>
@@ -1249,7 +1250,7 @@
           <p:cNvPr id="3" name="Immagine 2">
             <a:extLst>
               <a:ext uri="{FF2B5EF4-FFF2-40B4-BE49-F238E27FC236}">
-                <a16:creationId xmlns:a16="http://schemas.microsoft.com/office/drawing/2014/main" id="{BA104C5C-CBAC-4D1C-A02A-7AFD5EFF3936}"/>
+                <a16:creationId xmlns:a16="http://schemas.microsoft.com/office/drawing/2014/main" id="{0A7A3093-523F-4135-9E74-ACEC8E8F7B8C}"/>
               </a:ext>
             </a:extLst>
           </p:cNvPr>
@@ -1275,7 +1276,7 @@
     </p:spTree>
     <p:extLst>
       <p:ext uri="{BB962C8B-B14F-4D97-AF65-F5344CB8AC3E}">
-        <p14:creationId xmlns:p14="http://schemas.microsoft.com/office/powerpoint/2010/main" val="656960806"/>
+        <p14:creationId xmlns:p14="http://schemas.microsoft.com/office/powerpoint/2010/main" val="2323174854"/>
       </p:ext>
     </p:extLst>
   </p:cSld>
@@ -1313,7 +1314,7 @@
           <p:cNvPr id="2" name="Titolo 1" hidden="1">
             <a:extLst>
               <a:ext uri="{FF2B5EF4-FFF2-40B4-BE49-F238E27FC236}">
-                <a16:creationId xmlns:a16="http://schemas.microsoft.com/office/drawing/2014/main" id="{1FCB8C1F-31D7-4E5C-BFE8-5FC6AFA0754D}"/>
+                <a16:creationId xmlns:a16="http://schemas.microsoft.com/office/drawing/2014/main" id="{1CB1C42E-7F56-41F5-9F45-531C4E370F3C}"/>
               </a:ext>
             </a:extLst>
           </p:cNvPr>
@@ -1332,7 +1333,7 @@
             <a:pPr lvl="0"/>
             <a:r>
               <a:rPr lang="it-IT" sz="3600"/>
-              <a:t>Comparazione dei tre risultati</a:t>
+              <a:t>Risultati con tutti gli attributi</a:t>
             </a:r>
           </a:p>
         </p:txBody>
@@ -1342,7 +1343,7 @@
           <p:cNvPr id="3" name="Immagine 2">
             <a:extLst>
               <a:ext uri="{FF2B5EF4-FFF2-40B4-BE49-F238E27FC236}">
-                <a16:creationId xmlns:a16="http://schemas.microsoft.com/office/drawing/2014/main" id="{15414118-5DA9-4253-944A-D36B8E611ED5}"/>
+                <a16:creationId xmlns:a16="http://schemas.microsoft.com/office/drawing/2014/main" id="{D9DAC3FE-64F1-4D51-9282-7A49FCCC7D99}"/>
               </a:ext>
             </a:extLst>
           </p:cNvPr>
@@ -1368,7 +1369,7 @@
     </p:spTree>
     <p:extLst>
       <p:ext uri="{BB962C8B-B14F-4D97-AF65-F5344CB8AC3E}">
-        <p14:creationId xmlns:p14="http://schemas.microsoft.com/office/powerpoint/2010/main" val="1769684147"/>
+        <p14:creationId xmlns:p14="http://schemas.microsoft.com/office/powerpoint/2010/main" val="3681935061"/>
       </p:ext>
     </p:extLst>
   </p:cSld>
@@ -1406,7 +1407,7 @@
           <p:cNvPr id="2" name="Titolo 1" hidden="1">
             <a:extLst>
               <a:ext uri="{FF2B5EF4-FFF2-40B4-BE49-F238E27FC236}">
-                <a16:creationId xmlns:a16="http://schemas.microsoft.com/office/drawing/2014/main" id="{ED17F909-A43E-441E-BF1C-BCC74D605E00}"/>
+                <a16:creationId xmlns:a16="http://schemas.microsoft.com/office/drawing/2014/main" id="{7C536900-580D-48DE-84A6-BF7DFF0B5F18}"/>
               </a:ext>
             </a:extLst>
           </p:cNvPr>
@@ -1424,8 +1425,8 @@
           <a:p>
             <a:pPr lvl="0"/>
             <a:r>
-              <a:rPr lang="it-IT"/>
-              <a:t>conclusioni</a:t>
+              <a:rPr lang="it-IT" sz="3600"/>
+              <a:t>Comparazione dei tre risultati</a:t>
             </a:r>
           </a:p>
         </p:txBody>
@@ -1435,7 +1436,7 @@
           <p:cNvPr id="3" name="Immagine 2">
             <a:extLst>
               <a:ext uri="{FF2B5EF4-FFF2-40B4-BE49-F238E27FC236}">
-                <a16:creationId xmlns:a16="http://schemas.microsoft.com/office/drawing/2014/main" id="{B9D0E64A-14B2-479D-A46D-55DC58D95F21}"/>
+                <a16:creationId xmlns:a16="http://schemas.microsoft.com/office/drawing/2014/main" id="{F20143E3-13E1-4C8C-A5E6-C1935EA0B5B9}"/>
               </a:ext>
             </a:extLst>
           </p:cNvPr>
@@ -1461,7 +1462,100 @@
     </p:spTree>
     <p:extLst>
       <p:ext uri="{BB962C8B-B14F-4D97-AF65-F5344CB8AC3E}">
-        <p14:creationId xmlns:p14="http://schemas.microsoft.com/office/powerpoint/2010/main" val="2394069823"/>
+        <p14:creationId xmlns:p14="http://schemas.microsoft.com/office/powerpoint/2010/main" val="2232071032"/>
+      </p:ext>
+    </p:extLst>
+  </p:cSld>
+  <p:clrMapOvr>
+    <a:masterClrMapping/>
+  </p:clrMapOvr>
+</p:sld>
+</file>
+
+<file path=ppt/slides/slide16.xml><?xml version="1.0" encoding="utf-8"?>
+<p:sld xmlns:a="http://schemas.openxmlformats.org/drawingml/2006/main" xmlns:r="http://schemas.openxmlformats.org/officeDocument/2006/relationships" xmlns:p="http://schemas.openxmlformats.org/presentationml/2006/main">
+  <p:cSld>
+    <p:bg>
+      <p:bgPr>
+        <a:noFill/>
+        <a:effectLst/>
+      </p:bgPr>
+    </p:bg>
+    <p:spTree>
+      <p:nvGrpSpPr>
+        <p:cNvPr id="1" name=""/>
+        <p:cNvGrpSpPr/>
+        <p:nvPr/>
+      </p:nvGrpSpPr>
+      <p:grpSpPr>
+        <a:xfrm>
+          <a:off x="0" y="0"/>
+          <a:ext cx="0" cy="0"/>
+          <a:chOff x="0" y="0"/>
+          <a:chExt cx="0" cy="0"/>
+        </a:xfrm>
+      </p:grpSpPr>
+      <p:sp>
+        <p:nvSpPr>
+          <p:cNvPr id="2" name="Titolo 1" hidden="1">
+            <a:extLst>
+              <a:ext uri="{FF2B5EF4-FFF2-40B4-BE49-F238E27FC236}">
+                <a16:creationId xmlns:a16="http://schemas.microsoft.com/office/drawing/2014/main" id="{5F0ABABF-9598-4D9F-85E5-F0E7BB92C501}"/>
+              </a:ext>
+            </a:extLst>
+          </p:cNvPr>
+          <p:cNvSpPr>
+            <a:spLocks noGrp="1"/>
+          </p:cNvSpPr>
+          <p:nvPr>
+            <p:ph type="title"/>
+          </p:nvPr>
+        </p:nvSpPr>
+        <p:spPr/>
+        <p:txBody>
+          <a:bodyPr/>
+          <a:lstStyle/>
+          <a:p>
+            <a:pPr lvl="0"/>
+            <a:r>
+              <a:rPr lang="it-IT"/>
+              <a:t>conclusioni</a:t>
+            </a:r>
+          </a:p>
+        </p:txBody>
+      </p:sp>
+      <p:pic>
+        <p:nvPicPr>
+          <p:cNvPr id="3" name="Immagine 2">
+            <a:extLst>
+              <a:ext uri="{FF2B5EF4-FFF2-40B4-BE49-F238E27FC236}">
+                <a16:creationId xmlns:a16="http://schemas.microsoft.com/office/drawing/2014/main" id="{64535AA1-21F9-4AB3-BBA7-BED67AE9971D}"/>
+              </a:ext>
+            </a:extLst>
+          </p:cNvPr>
+          <p:cNvPicPr/>
+          <p:nvPr/>
+        </p:nvPicPr>
+        <p:blipFill>
+          <a:blip r:embed="rId2"/>
+          <a:stretch>
+            <a:fillRect/>
+          </a:stretch>
+        </p:blipFill>
+        <p:spPr>
+          <a:xfrm>
+            <a:off x="0" y="0"/>
+            <a:ext cx="12192000" cy="6858000"/>
+          </a:xfrm>
+          <a:prstGeom prst="rect">
+            <a:avLst/>
+          </a:prstGeom>
+        </p:spPr>
+      </p:pic>
+    </p:spTree>
+    <p:extLst>
+      <p:ext uri="{BB962C8B-B14F-4D97-AF65-F5344CB8AC3E}">
+        <p14:creationId xmlns:p14="http://schemas.microsoft.com/office/powerpoint/2010/main" val="3196004882"/>
       </p:ext>
     </p:extLst>
   </p:cSld>
@@ -1499,7 +1593,7 @@
           <p:cNvPr id="2" name="Titolo 1" hidden="1">
             <a:extLst>
               <a:ext uri="{FF2B5EF4-FFF2-40B4-BE49-F238E27FC236}">
-                <a16:creationId xmlns:a16="http://schemas.microsoft.com/office/drawing/2014/main" id="{0F602FC3-B3E0-4EDE-84EA-8FBD41A6BA69}"/>
+                <a16:creationId xmlns:a16="http://schemas.microsoft.com/office/drawing/2014/main" id="{6122C1D5-31CE-4123-9327-17ED6164BB82}"/>
               </a:ext>
             </a:extLst>
           </p:cNvPr>
@@ -1528,7 +1622,7 @@
           <p:cNvPr id="3" name="Immagine 2">
             <a:extLst>
               <a:ext uri="{FF2B5EF4-FFF2-40B4-BE49-F238E27FC236}">
-                <a16:creationId xmlns:a16="http://schemas.microsoft.com/office/drawing/2014/main" id="{800FEE3E-7263-4212-8339-A88549255968}"/>
+                <a16:creationId xmlns:a16="http://schemas.microsoft.com/office/drawing/2014/main" id="{C5DBED9E-D48F-4478-8B3A-DA8233F4E901}"/>
               </a:ext>
             </a:extLst>
           </p:cNvPr>
@@ -1554,7 +1648,7 @@
     </p:spTree>
     <p:extLst>
       <p:ext uri="{BB962C8B-B14F-4D97-AF65-F5344CB8AC3E}">
-        <p14:creationId xmlns:p14="http://schemas.microsoft.com/office/powerpoint/2010/main" val="2826751764"/>
+        <p14:creationId xmlns:p14="http://schemas.microsoft.com/office/powerpoint/2010/main" val="3535700639"/>
       </p:ext>
     </p:extLst>
   </p:cSld>
@@ -1592,7 +1686,7 @@
           <p:cNvPr id="2" name="Titolo 1" hidden="1">
             <a:extLst>
               <a:ext uri="{FF2B5EF4-FFF2-40B4-BE49-F238E27FC236}">
-                <a16:creationId xmlns:a16="http://schemas.microsoft.com/office/drawing/2014/main" id="{3D25A170-2C63-4A83-9541-70EC5A4FD60D}"/>
+                <a16:creationId xmlns:a16="http://schemas.microsoft.com/office/drawing/2014/main" id="{6070A77C-726F-44C0-8066-2FB76C2EEAB7}"/>
               </a:ext>
             </a:extLst>
           </p:cNvPr>
@@ -1611,7 +1705,14 @@
             <a:pPr lvl="0"/>
             <a:r>
               <a:rPr lang="it-IT" sz="3600"/>
-              <a:t>Configurazioni Ragnatela</a:t>
+              <a:t>StrutturA della </a:t>
+            </a:r>
+            <a:br>
+              <a:rPr lang="it-IT" sz="3600"/>
+            </a:br>
+            <a:r>
+              <a:rPr lang="it-IT" sz="3600"/>
+              <a:t>ragnatela</a:t>
             </a:r>
           </a:p>
         </p:txBody>
@@ -1621,7 +1722,7 @@
           <p:cNvPr id="3" name="Immagine 2">
             <a:extLst>
               <a:ext uri="{FF2B5EF4-FFF2-40B4-BE49-F238E27FC236}">
-                <a16:creationId xmlns:a16="http://schemas.microsoft.com/office/drawing/2014/main" id="{F4905174-B692-4B8A-98B2-B1C82F6C9C72}"/>
+                <a16:creationId xmlns:a16="http://schemas.microsoft.com/office/drawing/2014/main" id="{B4338AD8-9625-4559-9851-F01466444213}"/>
               </a:ext>
             </a:extLst>
           </p:cNvPr>
@@ -1647,7 +1748,7 @@
     </p:spTree>
     <p:extLst>
       <p:ext uri="{BB962C8B-B14F-4D97-AF65-F5344CB8AC3E}">
-        <p14:creationId xmlns:p14="http://schemas.microsoft.com/office/powerpoint/2010/main" val="3536817833"/>
+        <p14:creationId xmlns:p14="http://schemas.microsoft.com/office/powerpoint/2010/main" val="689689306"/>
       </p:ext>
     </p:extLst>
   </p:cSld>
@@ -1685,7 +1786,7 @@
           <p:cNvPr id="2" name="Titolo 1" hidden="1">
             <a:extLst>
               <a:ext uri="{FF2B5EF4-FFF2-40B4-BE49-F238E27FC236}">
-                <a16:creationId xmlns:a16="http://schemas.microsoft.com/office/drawing/2014/main" id="{90DAEE56-1731-4384-9CEA-254518F64297}"/>
+                <a16:creationId xmlns:a16="http://schemas.microsoft.com/office/drawing/2014/main" id="{A7F80D6B-4DBC-4D53-83F5-DB3501563097}"/>
               </a:ext>
             </a:extLst>
           </p:cNvPr>
@@ -1703,8 +1804,8 @@
           <a:p>
             <a:pPr lvl="0"/>
             <a:r>
-              <a:rPr lang="it-IT"/>
-              <a:t>Risultati Ragnatela</a:t>
+              <a:rPr lang="it-IT" sz="3600"/>
+              <a:t>Configurazioni Ragnatela</a:t>
             </a:r>
           </a:p>
         </p:txBody>
@@ -1714,7 +1815,7 @@
           <p:cNvPr id="3" name="Immagine 2">
             <a:extLst>
               <a:ext uri="{FF2B5EF4-FFF2-40B4-BE49-F238E27FC236}">
-                <a16:creationId xmlns:a16="http://schemas.microsoft.com/office/drawing/2014/main" id="{CDADAEC0-FEEB-4F3C-B102-0A438A56BBBF}"/>
+                <a16:creationId xmlns:a16="http://schemas.microsoft.com/office/drawing/2014/main" id="{6F60F100-CBAF-4BC7-BDAC-2B2E3689EB3F}"/>
               </a:ext>
             </a:extLst>
           </p:cNvPr>
@@ -1740,7 +1841,7 @@
     </p:spTree>
     <p:extLst>
       <p:ext uri="{BB962C8B-B14F-4D97-AF65-F5344CB8AC3E}">
-        <p14:creationId xmlns:p14="http://schemas.microsoft.com/office/powerpoint/2010/main" val="2683202271"/>
+        <p14:creationId xmlns:p14="http://schemas.microsoft.com/office/powerpoint/2010/main" val="165083745"/>
       </p:ext>
     </p:extLst>
   </p:cSld>
@@ -1778,7 +1879,7 @@
           <p:cNvPr id="2" name="Titolo 1" hidden="1">
             <a:extLst>
               <a:ext uri="{FF2B5EF4-FFF2-40B4-BE49-F238E27FC236}">
-                <a16:creationId xmlns:a16="http://schemas.microsoft.com/office/drawing/2014/main" id="{10B74E41-62F6-4B9E-B6A8-D17AC19BCECC}"/>
+                <a16:creationId xmlns:a16="http://schemas.microsoft.com/office/drawing/2014/main" id="{20D70E84-F70E-49BA-90BE-FD12B2815B45}"/>
               </a:ext>
             </a:extLst>
           </p:cNvPr>
@@ -1797,7 +1898,7 @@
             <a:pPr lvl="0"/>
             <a:r>
               <a:rPr lang="it-IT"/>
-              <a:t>Support vector machine (svm)</a:t>
+              <a:t>Risultati Ragnatela</a:t>
             </a:r>
           </a:p>
         </p:txBody>
@@ -1807,7 +1908,7 @@
           <p:cNvPr id="3" name="Immagine 2">
             <a:extLst>
               <a:ext uri="{FF2B5EF4-FFF2-40B4-BE49-F238E27FC236}">
-                <a16:creationId xmlns:a16="http://schemas.microsoft.com/office/drawing/2014/main" id="{9B3982D5-8BF6-44A0-9058-0F82A605390C}"/>
+                <a16:creationId xmlns:a16="http://schemas.microsoft.com/office/drawing/2014/main" id="{83780A08-3D40-4AFF-A98C-DE8415F8D504}"/>
               </a:ext>
             </a:extLst>
           </p:cNvPr>
@@ -1833,7 +1934,7 @@
     </p:spTree>
     <p:extLst>
       <p:ext uri="{BB962C8B-B14F-4D97-AF65-F5344CB8AC3E}">
-        <p14:creationId xmlns:p14="http://schemas.microsoft.com/office/powerpoint/2010/main" val="1258826750"/>
+        <p14:creationId xmlns:p14="http://schemas.microsoft.com/office/powerpoint/2010/main" val="2743283811"/>
       </p:ext>
     </p:extLst>
   </p:cSld>
@@ -1871,7 +1972,7 @@
           <p:cNvPr id="2" name="Titolo 1" hidden="1">
             <a:extLst>
               <a:ext uri="{FF2B5EF4-FFF2-40B4-BE49-F238E27FC236}">
-                <a16:creationId xmlns:a16="http://schemas.microsoft.com/office/drawing/2014/main" id="{260B4B60-1EF3-4A6B-9B8B-CD7856F5E64B}"/>
+                <a16:creationId xmlns:a16="http://schemas.microsoft.com/office/drawing/2014/main" id="{DC7B6E61-7393-41EC-B94C-E68052D69C24}"/>
               </a:ext>
             </a:extLst>
           </p:cNvPr>
@@ -1889,8 +1990,8 @@
           <a:p>
             <a:pPr lvl="0"/>
             <a:r>
-              <a:rPr lang="it-IT" sz="3600"/>
-              <a:t>Risultati</a:t>
+              <a:rPr lang="it-IT"/>
+              <a:t>Support vector machine (svm)</a:t>
             </a:r>
           </a:p>
         </p:txBody>
@@ -1900,7 +2001,7 @@
           <p:cNvPr id="3" name="Immagine 2">
             <a:extLst>
               <a:ext uri="{FF2B5EF4-FFF2-40B4-BE49-F238E27FC236}">
-                <a16:creationId xmlns:a16="http://schemas.microsoft.com/office/drawing/2014/main" id="{06418AAB-68A1-44E5-B601-265A313C7A43}"/>
+                <a16:creationId xmlns:a16="http://schemas.microsoft.com/office/drawing/2014/main" id="{B5C6942F-A9AE-4BA9-85BB-C85F59DF2ED4}"/>
               </a:ext>
             </a:extLst>
           </p:cNvPr>
@@ -1926,7 +2027,7 @@
     </p:spTree>
     <p:extLst>
       <p:ext uri="{BB962C8B-B14F-4D97-AF65-F5344CB8AC3E}">
-        <p14:creationId xmlns:p14="http://schemas.microsoft.com/office/powerpoint/2010/main" val="3980681661"/>
+        <p14:creationId xmlns:p14="http://schemas.microsoft.com/office/powerpoint/2010/main" val="942692796"/>
       </p:ext>
     </p:extLst>
   </p:cSld>
@@ -1964,7 +2065,7 @@
           <p:cNvPr id="2" name="Titolo 1" hidden="1">
             <a:extLst>
               <a:ext uri="{FF2B5EF4-FFF2-40B4-BE49-F238E27FC236}">
-                <a16:creationId xmlns:a16="http://schemas.microsoft.com/office/drawing/2014/main" id="{6FCA7785-529E-4EDE-B0E8-A32FCDEF006C}"/>
+                <a16:creationId xmlns:a16="http://schemas.microsoft.com/office/drawing/2014/main" id="{EFCB9BFF-10E1-4BF0-A854-142FE228FDEB}"/>
               </a:ext>
             </a:extLst>
           </p:cNvPr>
@@ -1982,8 +2083,8 @@
           <a:p>
             <a:pPr lvl="0"/>
             <a:r>
-              <a:rPr lang="it-IT"/>
-              <a:t>fase2</a:t>
+              <a:rPr lang="it-IT" sz="3600"/>
+              <a:t>Risultati</a:t>
             </a:r>
           </a:p>
         </p:txBody>
@@ -1993,7 +2094,7 @@
           <p:cNvPr id="3" name="Immagine 2">
             <a:extLst>
               <a:ext uri="{FF2B5EF4-FFF2-40B4-BE49-F238E27FC236}">
-                <a16:creationId xmlns:a16="http://schemas.microsoft.com/office/drawing/2014/main" id="{3F36228A-FCD7-4072-9B2E-4F8F3F6E35AA}"/>
+                <a16:creationId xmlns:a16="http://schemas.microsoft.com/office/drawing/2014/main" id="{2A27E702-BE48-40FA-9655-E65778EEB3FE}"/>
               </a:ext>
             </a:extLst>
           </p:cNvPr>
@@ -2019,7 +2120,7 @@
     </p:spTree>
     <p:extLst>
       <p:ext uri="{BB962C8B-B14F-4D97-AF65-F5344CB8AC3E}">
-        <p14:creationId xmlns:p14="http://schemas.microsoft.com/office/powerpoint/2010/main" val="3775883088"/>
+        <p14:creationId xmlns:p14="http://schemas.microsoft.com/office/powerpoint/2010/main" val="3565127742"/>
       </p:ext>
     </p:extLst>
   </p:cSld>
@@ -2057,7 +2158,7 @@
           <p:cNvPr id="2" name="Titolo 1" hidden="1">
             <a:extLst>
               <a:ext uri="{FF2B5EF4-FFF2-40B4-BE49-F238E27FC236}">
-                <a16:creationId xmlns:a16="http://schemas.microsoft.com/office/drawing/2014/main" id="{5AE7356F-A719-4BFE-8C2B-0C75596809DB}"/>
+                <a16:creationId xmlns:a16="http://schemas.microsoft.com/office/drawing/2014/main" id="{4A79A2F2-A74F-4B5F-A962-0F57B38D833D}"/>
               </a:ext>
             </a:extLst>
           </p:cNvPr>
@@ -2076,7 +2177,7 @@
             <a:pPr lvl="0"/>
             <a:r>
               <a:rPr lang="it-IT"/>
-              <a:t>Pre-processing e classificatore</a:t>
+              <a:t>fase2</a:t>
             </a:r>
           </a:p>
         </p:txBody>
@@ -2086,7 +2187,7 @@
           <p:cNvPr id="3" name="Immagine 2">
             <a:extLst>
               <a:ext uri="{FF2B5EF4-FFF2-40B4-BE49-F238E27FC236}">
-                <a16:creationId xmlns:a16="http://schemas.microsoft.com/office/drawing/2014/main" id="{FE26D67C-8620-43AC-A19E-C86A7C8EF080}"/>
+                <a16:creationId xmlns:a16="http://schemas.microsoft.com/office/drawing/2014/main" id="{9D23EC9B-C4D7-4E35-8C31-5EFA9F9B66F6}"/>
               </a:ext>
             </a:extLst>
           </p:cNvPr>
@@ -2112,7 +2213,7 @@
     </p:spTree>
     <p:extLst>
       <p:ext uri="{BB962C8B-B14F-4D97-AF65-F5344CB8AC3E}">
-        <p14:creationId xmlns:p14="http://schemas.microsoft.com/office/powerpoint/2010/main" val="228181768"/>
+        <p14:creationId xmlns:p14="http://schemas.microsoft.com/office/powerpoint/2010/main" val="1722094585"/>
       </p:ext>
     </p:extLst>
   </p:cSld>
@@ -2150,7 +2251,7 @@
           <p:cNvPr id="2" name="Titolo 1" hidden="1">
             <a:extLst>
               <a:ext uri="{FF2B5EF4-FFF2-40B4-BE49-F238E27FC236}">
-                <a16:creationId xmlns:a16="http://schemas.microsoft.com/office/drawing/2014/main" id="{8A55CA44-38BB-46FA-A3F6-6D0A74B90717}"/>
+                <a16:creationId xmlns:a16="http://schemas.microsoft.com/office/drawing/2014/main" id="{A0B40BF3-ECB5-4DF6-8C0D-CCB3F47D8890}"/>
               </a:ext>
             </a:extLst>
           </p:cNvPr>
@@ -2168,8 +2269,8 @@
           <a:p>
             <a:pPr lvl="0"/>
             <a:r>
-              <a:rPr lang="it-IT" sz="3600"/>
-              <a:t>Risultati con l’età</a:t>
+              <a:rPr lang="it-IT"/>
+              <a:t>Pre-processing e classificatore</a:t>
             </a:r>
           </a:p>
         </p:txBody>
@@ -2179,7 +2280,7 @@
           <p:cNvPr id="3" name="Immagine 2">
             <a:extLst>
               <a:ext uri="{FF2B5EF4-FFF2-40B4-BE49-F238E27FC236}">
-                <a16:creationId xmlns:a16="http://schemas.microsoft.com/office/drawing/2014/main" id="{57568D87-AB2A-4C72-BC1C-00BC9A1A4EA6}"/>
+                <a16:creationId xmlns:a16="http://schemas.microsoft.com/office/drawing/2014/main" id="{DDC53211-ADB0-44F5-8946-57FBC67216CD}"/>
               </a:ext>
             </a:extLst>
           </p:cNvPr>
@@ -2205,7 +2306,7 @@
     </p:spTree>
     <p:extLst>
       <p:ext uri="{BB962C8B-B14F-4D97-AF65-F5344CB8AC3E}">
-        <p14:creationId xmlns:p14="http://schemas.microsoft.com/office/powerpoint/2010/main" val="2995862123"/>
+        <p14:creationId xmlns:p14="http://schemas.microsoft.com/office/powerpoint/2010/main" val="962397369"/>
       </p:ext>
     </p:extLst>
   </p:cSld>
